--- a/data-viz-with-python-in-excel.pptx
+++ b/data-viz-with-python-in-excel.pptx
@@ -5,7 +5,7 @@
     <p:sldMasterId id="2147483648" r:id="rId1"/>
   </p:sldMasterIdLst>
   <p:notesMasterIdLst>
-    <p:notesMasterId r:id="rId34"/>
+    <p:notesMasterId r:id="rId33"/>
   </p:notesMasterIdLst>
   <p:sldIdLst>
     <p:sldId id="438" r:id="rId2"/>
@@ -29,27 +29,26 @@
     <p:sldId id="443" r:id="rId20"/>
     <p:sldId id="445" r:id="rId21"/>
     <p:sldId id="446" r:id="rId22"/>
-    <p:sldId id="428" r:id="rId23"/>
-    <p:sldId id="447" r:id="rId24"/>
-    <p:sldId id="449" r:id="rId25"/>
-    <p:sldId id="451" r:id="rId26"/>
-    <p:sldId id="450" r:id="rId27"/>
-    <p:sldId id="452" r:id="rId28"/>
-    <p:sldId id="448" r:id="rId29"/>
-    <p:sldId id="453" r:id="rId30"/>
-    <p:sldId id="456" r:id="rId31"/>
-    <p:sldId id="457" r:id="rId32"/>
-    <p:sldId id="455" r:id="rId33"/>
+    <p:sldId id="447" r:id="rId23"/>
+    <p:sldId id="449" r:id="rId24"/>
+    <p:sldId id="451" r:id="rId25"/>
+    <p:sldId id="450" r:id="rId26"/>
+    <p:sldId id="452" r:id="rId27"/>
+    <p:sldId id="448" r:id="rId28"/>
+    <p:sldId id="453" r:id="rId29"/>
+    <p:sldId id="456" r:id="rId30"/>
+    <p:sldId id="457" r:id="rId31"/>
+    <p:sldId id="455" r:id="rId32"/>
   </p:sldIdLst>
   <p:sldSz cx="18288000" cy="10287000"/>
   <p:notesSz cx="6858000" cy="9144000"/>
   <p:embeddedFontLst>
     <p:embeddedFont>
       <p:font typeface="Consolas" panose="020B0609020204030204" pitchFamily="49" charset="0"/>
-      <p:regular r:id="rId35"/>
-      <p:bold r:id="rId36"/>
-      <p:italic r:id="rId37"/>
-      <p:boldItalic r:id="rId38"/>
+      <p:regular r:id="rId34"/>
+      <p:bold r:id="rId35"/>
+      <p:italic r:id="rId36"/>
+      <p:boldItalic r:id="rId37"/>
     </p:embeddedFont>
   </p:embeddedFontLst>
   <p:defaultTextStyle>
@@ -266,7 +265,7 @@
           <a:p>
             <a:fld id="{17A98A70-FA8C-4354-959C-C70678AC9BCF}" type="datetimeFigureOut">
               <a:rPr lang="en-US" smtClean="0"/>
-              <a:t>12/30/2024</a:t>
+              <a:t>4/6/2025</a:t>
             </a:fld>
             <a:endParaRPr lang="en-US"/>
           </a:p>
@@ -1126,7 +1125,7 @@
           <a:p>
             <a:fld id="{1300335D-9F13-4B80-ADC5-B0EA3E10FF6B}" type="slidenum">
               <a:rPr lang="en-US" smtClean="0"/>
-              <a:t>24</a:t>
+              <a:t>23</a:t>
             </a:fld>
             <a:endParaRPr lang="en-US"/>
           </a:p>
@@ -1258,7 +1257,7 @@
           <a:p>
             <a:fld id="{1300335D-9F13-4B80-ADC5-B0EA3E10FF6B}" type="slidenum">
               <a:rPr lang="en-US" smtClean="0"/>
-              <a:t>25</a:t>
+              <a:t>24</a:t>
             </a:fld>
             <a:endParaRPr lang="en-US"/>
           </a:p>
@@ -1390,7 +1389,7 @@
           <a:p>
             <a:fld id="{1300335D-9F13-4B80-ADC5-B0EA3E10FF6B}" type="slidenum">
               <a:rPr lang="en-US" smtClean="0"/>
-              <a:t>26</a:t>
+              <a:t>25</a:t>
             </a:fld>
             <a:endParaRPr lang="en-US"/>
           </a:p>
@@ -1522,7 +1521,7 @@
           <a:p>
             <a:fld id="{1300335D-9F13-4B80-ADC5-B0EA3E10FF6B}" type="slidenum">
               <a:rPr lang="en-US" smtClean="0"/>
-              <a:t>29</a:t>
+              <a:t>28</a:t>
             </a:fld>
             <a:endParaRPr lang="en-US"/>
           </a:p>
@@ -1654,7 +1653,7 @@
           <a:p>
             <a:fld id="{1300335D-9F13-4B80-ADC5-B0EA3E10FF6B}" type="slidenum">
               <a:rPr lang="en-US" smtClean="0"/>
-              <a:t>30</a:t>
+              <a:t>29</a:t>
             </a:fld>
             <a:endParaRPr lang="en-US"/>
           </a:p>
@@ -2813,7 +2812,7 @@
             <a:fld id="{1D8BD707-D9CF-40AE-B4C6-C98DA3205C09}" type="datetimeFigureOut">
               <a:rPr lang="en-US" smtClean="0"/>
               <a:pPr/>
-              <a:t>12/30/2024</a:t>
+              <a:t>4/6/2025</a:t>
             </a:fld>
             <a:endParaRPr lang="en-US"/>
           </a:p>
@@ -2978,7 +2977,7 @@
             <a:fld id="{1D8BD707-D9CF-40AE-B4C6-C98DA3205C09}" type="datetimeFigureOut">
               <a:rPr lang="en-US" smtClean="0"/>
               <a:pPr/>
-              <a:t>12/30/2024</a:t>
+              <a:t>4/6/2025</a:t>
             </a:fld>
             <a:endParaRPr lang="en-US"/>
           </a:p>
@@ -3153,7 +3152,7 @@
             <a:fld id="{1D8BD707-D9CF-40AE-B4C6-C98DA3205C09}" type="datetimeFigureOut">
               <a:rPr lang="en-US" smtClean="0"/>
               <a:pPr/>
-              <a:t>12/30/2024</a:t>
+              <a:t>4/6/2025</a:t>
             </a:fld>
             <a:endParaRPr lang="en-US"/>
           </a:p>
@@ -3318,7 +3317,7 @@
             <a:fld id="{1D8BD707-D9CF-40AE-B4C6-C98DA3205C09}" type="datetimeFigureOut">
               <a:rPr lang="en-US" smtClean="0"/>
               <a:pPr/>
-              <a:t>12/30/2024</a:t>
+              <a:t>4/6/2025</a:t>
             </a:fld>
             <a:endParaRPr lang="en-US"/>
           </a:p>
@@ -3560,7 +3559,7 @@
             <a:fld id="{1D8BD707-D9CF-40AE-B4C6-C98DA3205C09}" type="datetimeFigureOut">
               <a:rPr lang="en-US" smtClean="0"/>
               <a:pPr/>
-              <a:t>12/30/2024</a:t>
+              <a:t>4/6/2025</a:t>
             </a:fld>
             <a:endParaRPr lang="en-US"/>
           </a:p>
@@ -3842,7 +3841,7 @@
             <a:fld id="{1D8BD707-D9CF-40AE-B4C6-C98DA3205C09}" type="datetimeFigureOut">
               <a:rPr lang="en-US" smtClean="0"/>
               <a:pPr/>
-              <a:t>12/30/2024</a:t>
+              <a:t>4/6/2025</a:t>
             </a:fld>
             <a:endParaRPr lang="en-US"/>
           </a:p>
@@ -4258,7 +4257,7 @@
             <a:fld id="{1D8BD707-D9CF-40AE-B4C6-C98DA3205C09}" type="datetimeFigureOut">
               <a:rPr lang="en-US" smtClean="0"/>
               <a:pPr/>
-              <a:t>12/30/2024</a:t>
+              <a:t>4/6/2025</a:t>
             </a:fld>
             <a:endParaRPr lang="en-US"/>
           </a:p>
@@ -4372,7 +4371,7 @@
             <a:fld id="{1D8BD707-D9CF-40AE-B4C6-C98DA3205C09}" type="datetimeFigureOut">
               <a:rPr lang="en-US" smtClean="0"/>
               <a:pPr/>
-              <a:t>12/30/2024</a:t>
+              <a:t>4/6/2025</a:t>
             </a:fld>
             <a:endParaRPr lang="en-US"/>
           </a:p>
@@ -4464,7 +4463,7 @@
             <a:fld id="{1D8BD707-D9CF-40AE-B4C6-C98DA3205C09}" type="datetimeFigureOut">
               <a:rPr lang="en-US" smtClean="0"/>
               <a:pPr/>
-              <a:t>12/30/2024</a:t>
+              <a:t>4/6/2025</a:t>
             </a:fld>
             <a:endParaRPr lang="en-US"/>
           </a:p>
@@ -4736,7 +4735,7 @@
             <a:fld id="{1D8BD707-D9CF-40AE-B4C6-C98DA3205C09}" type="datetimeFigureOut">
               <a:rPr lang="en-US" smtClean="0"/>
               <a:pPr/>
-              <a:t>12/30/2024</a:t>
+              <a:t>4/6/2025</a:t>
             </a:fld>
             <a:endParaRPr lang="en-US"/>
           </a:p>
@@ -4985,7 +4984,7 @@
             <a:fld id="{1D8BD707-D9CF-40AE-B4C6-C98DA3205C09}" type="datetimeFigureOut">
               <a:rPr lang="en-US" smtClean="0"/>
               <a:pPr/>
-              <a:t>12/30/2024</a:t>
+              <a:t>4/6/2025</a:t>
             </a:fld>
             <a:endParaRPr lang="en-US"/>
           </a:p>
@@ -5198,7 +5197,7 @@
             <a:fld id="{1D8BD707-D9CF-40AE-B4C6-C98DA3205C09}" type="datetimeFigureOut">
               <a:rPr lang="en-US" smtClean="0"/>
               <a:pPr/>
-              <a:t>12/30/2024</a:t>
+              <a:t>4/6/2025</a:t>
             </a:fld>
             <a:endParaRPr lang="en-US"/>
           </a:p>
@@ -8520,7 +8519,7 @@
                 </a:solidFill>
                 <a:latin typeface="Normafixed Tryout" panose="00000409000000000000" pitchFamily="49" charset="0"/>
               </a:rPr>
-              <a:t>3. </a:t>
+              <a:t>4. </a:t>
             </a:r>
             <a:r>
               <a:rPr lang="en-US" sz="9900" b="1" dirty="0" err="1">
@@ -10200,188 +10199,6 @@
         <p:cNvPr id="1" name="">
           <a:extLst>
             <a:ext uri="{FF2B5EF4-FFF2-40B4-BE49-F238E27FC236}">
-              <a16:creationId xmlns:a16="http://schemas.microsoft.com/office/drawing/2014/main" id="{EDC1AFB0-C56F-D62F-14A8-F33BEFF463E9}"/>
-            </a:ext>
-          </a:extLst>
-        </p:cNvPr>
-        <p:cNvGrpSpPr/>
-        <p:nvPr/>
-      </p:nvGrpSpPr>
-      <p:grpSpPr>
-        <a:xfrm>
-          <a:off x="0" y="0"/>
-          <a:ext cx="0" cy="0"/>
-          <a:chOff x="0" y="0"/>
-          <a:chExt cx="0" cy="0"/>
-        </a:xfrm>
-      </p:grpSpPr>
-      <p:pic>
-        <p:nvPicPr>
-          <p:cNvPr id="10" name="Picture 9">
-            <a:extLst>
-              <a:ext uri="{FF2B5EF4-FFF2-40B4-BE49-F238E27FC236}">
-                <a16:creationId xmlns:a16="http://schemas.microsoft.com/office/drawing/2014/main" id="{811709C6-2AB2-11C9-7706-1E777C8188E3}"/>
-              </a:ext>
-            </a:extLst>
-          </p:cNvPr>
-          <p:cNvPicPr>
-            <a:picLocks noChangeAspect="1"/>
-          </p:cNvPicPr>
-          <p:nvPr/>
-        </p:nvPicPr>
-        <p:blipFill rotWithShape="1">
-          <a:blip r:embed="rId2">
-            <a:extLst>
-              <a:ext uri="{28A0092B-C50C-407E-A947-70E740481C1C}">
-                <a14:useLocalDpi xmlns:a14="http://schemas.microsoft.com/office/drawing/2010/main" val="0"/>
-              </a:ext>
-            </a:extLst>
-          </a:blip>
-          <a:srcRect l="50728" t="56371"/>
-          <a:stretch/>
-        </p:blipFill>
-        <p:spPr>
-          <a:xfrm>
-            <a:off x="12204691" y="3316148"/>
-            <a:ext cx="6083309" cy="6970854"/>
-          </a:xfrm>
-          <a:prstGeom prst="rect">
-            <a:avLst/>
-          </a:prstGeom>
-        </p:spPr>
-      </p:pic>
-      <p:pic>
-        <p:nvPicPr>
-          <p:cNvPr id="4" name="Picture 3">
-            <a:extLst>
-              <a:ext uri="{FF2B5EF4-FFF2-40B4-BE49-F238E27FC236}">
-                <a16:creationId xmlns:a16="http://schemas.microsoft.com/office/drawing/2014/main" id="{AE251979-A875-B4F6-44AF-C22ED2D4037E}"/>
-              </a:ext>
-            </a:extLst>
-          </p:cNvPr>
-          <p:cNvPicPr>
-            <a:picLocks noChangeAspect="1"/>
-          </p:cNvPicPr>
-          <p:nvPr/>
-        </p:nvPicPr>
-        <p:blipFill>
-          <a:blip r:embed="rId3">
-            <a:extLst>
-              <a:ext uri="{28A0092B-C50C-407E-A947-70E740481C1C}">
-                <a14:useLocalDpi xmlns:a14="http://schemas.microsoft.com/office/drawing/2010/main" val="0"/>
-              </a:ext>
-            </a:extLst>
-          </a:blip>
-          <a:stretch>
-            <a:fillRect/>
-          </a:stretch>
-        </p:blipFill>
-        <p:spPr>
-          <a:xfrm>
-            <a:off x="-807744" y="-3724155"/>
-            <a:ext cx="15257208" cy="11189825"/>
-          </a:xfrm>
-          <a:prstGeom prst="rect">
-            <a:avLst/>
-          </a:prstGeom>
-        </p:spPr>
-      </p:pic>
-      <p:sp>
-        <p:nvSpPr>
-          <p:cNvPr id="11" name="TextBox 10">
-            <a:extLst>
-              <a:ext uri="{FF2B5EF4-FFF2-40B4-BE49-F238E27FC236}">
-                <a16:creationId xmlns:a16="http://schemas.microsoft.com/office/drawing/2014/main" id="{F9AABDF8-0B5F-FB07-E49B-5B114D082EA9}"/>
-              </a:ext>
-            </a:extLst>
-          </p:cNvPr>
-          <p:cNvSpPr txBox="1"/>
-          <p:nvPr/>
-        </p:nvSpPr>
-        <p:spPr>
-          <a:xfrm>
-            <a:off x="486137" y="2531318"/>
-            <a:ext cx="11979797" cy="923330"/>
-          </a:xfrm>
-          <a:prstGeom prst="rect">
-            <a:avLst/>
-          </a:prstGeom>
-          <a:noFill/>
-        </p:spPr>
-        <p:txBody>
-          <a:bodyPr wrap="square" rtlCol="0">
-            <a:spAutoFit/>
-          </a:bodyPr>
-          <a:lstStyle/>
-          <a:p>
-            <a:r>
-              <a:rPr lang="en-US" sz="5400" b="1" dirty="0">
-                <a:solidFill>
-                  <a:srgbClr val="CF3338"/>
-                </a:solidFill>
-                <a:latin typeface="Pragmatica" panose="020B0403040502020204" pitchFamily="34" charset="0"/>
-              </a:rPr>
-              <a:t>THANK YOU</a:t>
-            </a:r>
-          </a:p>
-        </p:txBody>
-      </p:sp>
-      <p:pic>
-        <p:nvPicPr>
-          <p:cNvPr id="5" name="Picture 4">
-            <a:extLst>
-              <a:ext uri="{FF2B5EF4-FFF2-40B4-BE49-F238E27FC236}">
-                <a16:creationId xmlns:a16="http://schemas.microsoft.com/office/drawing/2014/main" id="{472AE35B-57A8-E834-2371-E6A10EEB48B2}"/>
-              </a:ext>
-            </a:extLst>
-          </p:cNvPr>
-          <p:cNvPicPr>
-            <a:picLocks noChangeAspect="1"/>
-          </p:cNvPicPr>
-          <p:nvPr/>
-        </p:nvPicPr>
-        <p:blipFill>
-          <a:blip r:embed="rId4">
-            <a:extLst>
-              <a:ext uri="{28A0092B-C50C-407E-A947-70E740481C1C}">
-                <a14:useLocalDpi xmlns:a14="http://schemas.microsoft.com/office/drawing/2010/main" val="0"/>
-              </a:ext>
-            </a:extLst>
-          </a:blip>
-          <a:srcRect/>
-          <a:stretch/>
-        </p:blipFill>
-        <p:spPr>
-          <a:xfrm>
-            <a:off x="12204691" y="3317239"/>
-            <a:ext cx="6083309" cy="6968672"/>
-          </a:xfrm>
-          <a:prstGeom prst="rect">
-            <a:avLst/>
-          </a:prstGeom>
-        </p:spPr>
-      </p:pic>
-    </p:spTree>
-    <p:extLst>
-      <p:ext uri="{BB962C8B-B14F-4D97-AF65-F5344CB8AC3E}">
-        <p14:creationId xmlns:p14="http://schemas.microsoft.com/office/powerpoint/2010/main" val="1339720629"/>
-      </p:ext>
-    </p:extLst>
-  </p:cSld>
-  <p:clrMapOvr>
-    <a:masterClrMapping/>
-  </p:clrMapOvr>
-</p:sld>
-</file>
-
-<file path=ppt/slides/slide23.xml><?xml version="1.0" encoding="utf-8"?>
-<p:sld xmlns:a="http://schemas.openxmlformats.org/drawingml/2006/main" xmlns:r="http://schemas.openxmlformats.org/officeDocument/2006/relationships" xmlns:p="http://schemas.openxmlformats.org/presentationml/2006/main">
-  <p:cSld>
-    <p:spTree>
-      <p:nvGrpSpPr>
-        <p:cNvPr id="1" name="">
-          <a:extLst>
-            <a:ext uri="{FF2B5EF4-FFF2-40B4-BE49-F238E27FC236}">
               <a16:creationId xmlns:a16="http://schemas.microsoft.com/office/drawing/2014/main" id="{23528395-BB45-5774-B33B-18D7F7B28E35}"/>
             </a:ext>
           </a:extLst>
@@ -10502,7 +10319,7 @@
 </p:sld>
 </file>
 
-<file path=ppt/slides/slide24.xml><?xml version="1.0" encoding="utf-8"?>
+<file path=ppt/slides/slide23.xml><?xml version="1.0" encoding="utf-8"?>
 <p:sld xmlns:a="http://schemas.openxmlformats.org/drawingml/2006/main" xmlns:r="http://schemas.openxmlformats.org/officeDocument/2006/relationships" xmlns:p="http://schemas.openxmlformats.org/presentationml/2006/main">
   <p:cSld>
     <p:spTree>
@@ -10773,7 +10590,7 @@
 </p:sld>
 </file>
 
-<file path=ppt/slides/slide25.xml><?xml version="1.0" encoding="utf-8"?>
+<file path=ppt/slides/slide24.xml><?xml version="1.0" encoding="utf-8"?>
 <p:sld xmlns:a="http://schemas.openxmlformats.org/drawingml/2006/main" xmlns:r="http://schemas.openxmlformats.org/officeDocument/2006/relationships" xmlns:p="http://schemas.openxmlformats.org/presentationml/2006/main">
   <p:cSld>
     <p:spTree>
@@ -11123,7 +10940,7 @@
 </p:sld>
 </file>
 
-<file path=ppt/slides/slide26.xml><?xml version="1.0" encoding="utf-8"?>
+<file path=ppt/slides/slide25.xml><?xml version="1.0" encoding="utf-8"?>
 <p:sld xmlns:a="http://schemas.openxmlformats.org/drawingml/2006/main" xmlns:r="http://schemas.openxmlformats.org/officeDocument/2006/relationships" xmlns:p="http://schemas.openxmlformats.org/presentationml/2006/main">
   <p:cSld>
     <p:spTree>
@@ -11517,7 +11334,7 @@
 </p:sld>
 </file>
 
-<file path=ppt/slides/slide27.xml><?xml version="1.0" encoding="utf-8"?>
+<file path=ppt/slides/slide26.xml><?xml version="1.0" encoding="utf-8"?>
 <p:sld xmlns:a="http://schemas.openxmlformats.org/drawingml/2006/main" xmlns:r="http://schemas.openxmlformats.org/officeDocument/2006/relationships" xmlns:p="http://schemas.openxmlformats.org/presentationml/2006/main">
   <p:cSld>
     <p:spTree>
@@ -11699,7 +11516,7 @@
 </p:sld>
 </file>
 
-<file path=ppt/slides/slide28.xml><?xml version="1.0" encoding="utf-8"?>
+<file path=ppt/slides/slide27.xml><?xml version="1.0" encoding="utf-8"?>
 <p:sld xmlns:a="http://schemas.openxmlformats.org/drawingml/2006/main" xmlns:r="http://schemas.openxmlformats.org/officeDocument/2006/relationships" xmlns:p="http://schemas.openxmlformats.org/presentationml/2006/main">
   <p:cSld>
     <p:spTree>
@@ -11809,7 +11626,7 @@
                 </a:solidFill>
                 <a:latin typeface="Normafixed Tryout" panose="00000409000000000000" pitchFamily="49" charset="0"/>
               </a:rPr>
-              <a:t>5. AI-powered Python data visualization with Copilot</a:t>
+              <a:t>6. AI-powered Python data visualization with Copilot</a:t>
             </a:r>
           </a:p>
         </p:txBody>
@@ -11827,7 +11644,7 @@
 </p:sld>
 </file>
 
-<file path=ppt/slides/slide29.xml><?xml version="1.0" encoding="utf-8"?>
+<file path=ppt/slides/slide28.xml><?xml version="1.0" encoding="utf-8"?>
 <p:sld xmlns:a="http://schemas.openxmlformats.org/drawingml/2006/main" xmlns:r="http://schemas.openxmlformats.org/officeDocument/2006/relationships" xmlns:p="http://schemas.openxmlformats.org/presentationml/2006/main">
   <p:cSld>
     <p:spTree>
@@ -12112,6 +11929,415 @@
     <p:extLst>
       <p:ext uri="{BB962C8B-B14F-4D97-AF65-F5344CB8AC3E}">
         <p14:creationId xmlns:p14="http://schemas.microsoft.com/office/powerpoint/2010/main" val="578957890"/>
+      </p:ext>
+    </p:extLst>
+  </p:cSld>
+  <p:clrMapOvr>
+    <a:masterClrMapping/>
+  </p:clrMapOvr>
+</p:sld>
+</file>
+
+<file path=ppt/slides/slide29.xml><?xml version="1.0" encoding="utf-8"?>
+<p:sld xmlns:a="http://schemas.openxmlformats.org/drawingml/2006/main" xmlns:r="http://schemas.openxmlformats.org/officeDocument/2006/relationships" xmlns:p="http://schemas.openxmlformats.org/presentationml/2006/main">
+  <p:cSld>
+    <p:spTree>
+      <p:nvGrpSpPr>
+        <p:cNvPr id="1" name="">
+          <a:extLst>
+            <a:ext uri="{FF2B5EF4-FFF2-40B4-BE49-F238E27FC236}">
+              <a16:creationId xmlns:a16="http://schemas.microsoft.com/office/drawing/2014/main" id="{3DB2DD0D-8DE0-7639-8614-180F52047573}"/>
+            </a:ext>
+          </a:extLst>
+        </p:cNvPr>
+        <p:cNvGrpSpPr/>
+        <p:nvPr/>
+      </p:nvGrpSpPr>
+      <p:grpSpPr>
+        <a:xfrm>
+          <a:off x="0" y="0"/>
+          <a:ext cx="0" cy="0"/>
+          <a:chOff x="0" y="0"/>
+          <a:chExt cx="0" cy="0"/>
+        </a:xfrm>
+      </p:grpSpPr>
+      <p:sp>
+        <p:nvSpPr>
+          <p:cNvPr id="4" name="Rectangle 3">
+            <a:extLst>
+              <a:ext uri="{FF2B5EF4-FFF2-40B4-BE49-F238E27FC236}">
+                <a16:creationId xmlns:a16="http://schemas.microsoft.com/office/drawing/2014/main" id="{848B2D07-8F5C-1A76-8B62-879D77101BD1}"/>
+              </a:ext>
+            </a:extLst>
+          </p:cNvPr>
+          <p:cNvSpPr/>
+          <p:nvPr/>
+        </p:nvSpPr>
+        <p:spPr>
+          <a:xfrm>
+            <a:off x="13792200" y="0"/>
+            <a:ext cx="4495800" cy="10287000"/>
+          </a:xfrm>
+          <a:prstGeom prst="rect">
+            <a:avLst/>
+          </a:prstGeom>
+          <a:solidFill>
+            <a:srgbClr val="CF3338"/>
+          </a:solidFill>
+          <a:ln>
+            <a:noFill/>
+          </a:ln>
+        </p:spPr>
+        <p:style>
+          <a:lnRef idx="2">
+            <a:schemeClr val="accent1">
+              <a:shade val="50000"/>
+            </a:schemeClr>
+          </a:lnRef>
+          <a:fillRef idx="1">
+            <a:schemeClr val="accent1"/>
+          </a:fillRef>
+          <a:effectRef idx="0">
+            <a:schemeClr val="accent1"/>
+          </a:effectRef>
+          <a:fontRef idx="minor">
+            <a:schemeClr val="lt1"/>
+          </a:fontRef>
+        </p:style>
+        <p:txBody>
+          <a:bodyPr rtlCol="0" anchor="ctr"/>
+          <a:lstStyle/>
+          <a:p>
+            <a:pPr algn="ctr"/>
+            <a:endParaRPr lang="en-US" sz="2700"/>
+          </a:p>
+        </p:txBody>
+      </p:sp>
+      <p:pic>
+        <p:nvPicPr>
+          <p:cNvPr id="2" name="Picture 1">
+            <a:extLst>
+              <a:ext uri="{FF2B5EF4-FFF2-40B4-BE49-F238E27FC236}">
+                <a16:creationId xmlns:a16="http://schemas.microsoft.com/office/drawing/2014/main" id="{113E929A-4F85-BA2E-1670-83412C8E33EB}"/>
+              </a:ext>
+            </a:extLst>
+          </p:cNvPr>
+          <p:cNvPicPr>
+            <a:picLocks noChangeAspect="1"/>
+          </p:cNvPicPr>
+          <p:nvPr/>
+        </p:nvPicPr>
+        <p:blipFill rotWithShape="1">
+          <a:blip r:embed="rId3">
+            <a:extLst>
+              <a:ext uri="{28A0092B-C50C-407E-A947-70E740481C1C}">
+                <a14:useLocalDpi xmlns:a14="http://schemas.microsoft.com/office/drawing/2010/main" val="0"/>
+              </a:ext>
+            </a:extLst>
+          </a:blip>
+          <a:srcRect l="69227" t="33418" r="20112" b="50548"/>
+          <a:stretch/>
+        </p:blipFill>
+        <p:spPr>
+          <a:xfrm>
+            <a:off x="15579524" y="7544693"/>
+            <a:ext cx="2708477" cy="2987579"/>
+          </a:xfrm>
+          <a:prstGeom prst="rect">
+            <a:avLst/>
+          </a:prstGeom>
+        </p:spPr>
+      </p:pic>
+      <p:sp>
+        <p:nvSpPr>
+          <p:cNvPr id="3" name="TextBox 2">
+            <a:extLst>
+              <a:ext uri="{FF2B5EF4-FFF2-40B4-BE49-F238E27FC236}">
+                <a16:creationId xmlns:a16="http://schemas.microsoft.com/office/drawing/2014/main" id="{70649C51-8154-5BF1-C630-D747B0445059}"/>
+              </a:ext>
+            </a:extLst>
+          </p:cNvPr>
+          <p:cNvSpPr txBox="1"/>
+          <p:nvPr/>
+        </p:nvSpPr>
+        <p:spPr>
+          <a:xfrm>
+            <a:off x="260430" y="329879"/>
+            <a:ext cx="13531769" cy="10361811"/>
+          </a:xfrm>
+          <a:prstGeom prst="rect">
+            <a:avLst/>
+          </a:prstGeom>
+          <a:noFill/>
+        </p:spPr>
+        <p:txBody>
+          <a:bodyPr wrap="square" rtlCol="0">
+            <a:spAutoFit/>
+          </a:bodyPr>
+          <a:lstStyle/>
+          <a:p>
+            <a:r>
+              <a:rPr lang="en-US" sz="6000" b="1" dirty="0">
+                <a:solidFill>
+                  <a:srgbClr val="CF3338"/>
+                </a:solidFill>
+                <a:latin typeface="Pragmatica" panose="020B0403040502020204" pitchFamily="34" charset="0"/>
+              </a:rPr>
+              <a:t>Python data viz through Copilot CHALLENGE</a:t>
+            </a:r>
+            <a:endParaRPr lang="en-US" sz="4200" dirty="0">
+              <a:solidFill>
+                <a:srgbClr val="CF3338"/>
+              </a:solidFill>
+              <a:latin typeface="Pragmatica" panose="020B0403040502020204" pitchFamily="34" charset="0"/>
+            </a:endParaRPr>
+          </a:p>
+          <a:p>
+            <a:pPr marL="714375" indent="-571500">
+              <a:lnSpc>
+                <a:spcPct val="115000"/>
+              </a:lnSpc>
+              <a:spcBef>
+                <a:spcPts val="1125"/>
+              </a:spcBef>
+              <a:buClr>
+                <a:srgbClr val="C00000"/>
+              </a:buClr>
+              <a:buSzPts val="2100"/>
+              <a:buFont typeface="Arial" panose="020B0604020202020204" pitchFamily="34" charset="0"/>
+              <a:buChar char="•"/>
+            </a:pPr>
+            <a:r>
+              <a:rPr lang="en-US" sz="3600" dirty="0">
+                <a:solidFill>
+                  <a:srgbClr val="C00000"/>
+                </a:solidFill>
+                <a:latin typeface="Pragmatica" panose="020B0403040502020204"/>
+                <a:sym typeface="Consolas"/>
+              </a:rPr>
+              <a:t>KDE Plot: Flipper lengths by species</a:t>
+            </a:r>
+          </a:p>
+          <a:p>
+            <a:pPr marL="714375" indent="-571500">
+              <a:lnSpc>
+                <a:spcPct val="115000"/>
+              </a:lnSpc>
+              <a:spcBef>
+                <a:spcPts val="1125"/>
+              </a:spcBef>
+              <a:buClr>
+                <a:srgbClr val="C00000"/>
+              </a:buClr>
+              <a:buSzPts val="2100"/>
+              <a:buFont typeface="Arial" panose="020B0604020202020204" pitchFamily="34" charset="0"/>
+              <a:buChar char="•"/>
+            </a:pPr>
+            <a:r>
+              <a:rPr lang="en-US" sz="3600" dirty="0">
+                <a:solidFill>
+                  <a:srgbClr val="C00000"/>
+                </a:solidFill>
+                <a:latin typeface="Pragmatica" panose="020B0403040502020204"/>
+                <a:sym typeface="Consolas"/>
+              </a:rPr>
+              <a:t>Scatterplot with Regression: Body mass vs. flipper length, grouped by species</a:t>
+            </a:r>
+          </a:p>
+          <a:p>
+            <a:pPr marL="714375" indent="-571500">
+              <a:lnSpc>
+                <a:spcPct val="115000"/>
+              </a:lnSpc>
+              <a:spcBef>
+                <a:spcPts val="1125"/>
+              </a:spcBef>
+              <a:buClr>
+                <a:srgbClr val="C00000"/>
+              </a:buClr>
+              <a:buSzPts val="2100"/>
+              <a:buFont typeface="Arial" panose="020B0604020202020204" pitchFamily="34" charset="0"/>
+              <a:buChar char="•"/>
+            </a:pPr>
+            <a:r>
+              <a:rPr lang="en-US" sz="3600" dirty="0">
+                <a:solidFill>
+                  <a:srgbClr val="C00000"/>
+                </a:solidFill>
+                <a:latin typeface="Pragmatica" panose="020B0403040502020204"/>
+                <a:sym typeface="Consolas"/>
+              </a:rPr>
+              <a:t>Small Multiples: Organized by island, scatterplots with regression lines by species</a:t>
+            </a:r>
+          </a:p>
+          <a:p>
+            <a:pPr marL="714375" indent="-571500">
+              <a:lnSpc>
+                <a:spcPct val="115000"/>
+              </a:lnSpc>
+              <a:spcBef>
+                <a:spcPts val="1125"/>
+              </a:spcBef>
+              <a:buClr>
+                <a:srgbClr val="C00000"/>
+              </a:buClr>
+              <a:buSzPts val="2100"/>
+              <a:buFont typeface="Arial" panose="020B0604020202020204" pitchFamily="34" charset="0"/>
+              <a:buChar char="•"/>
+            </a:pPr>
+            <a:r>
+              <a:rPr lang="en-US" sz="3600" dirty="0" err="1">
+                <a:solidFill>
+                  <a:srgbClr val="C00000"/>
+                </a:solidFill>
+                <a:latin typeface="Pragmatica" panose="020B0403040502020204"/>
+                <a:sym typeface="Consolas"/>
+              </a:rPr>
+              <a:t>Pairplot</a:t>
+            </a:r>
+            <a:r>
+              <a:rPr lang="en-US" sz="3600" dirty="0">
+                <a:solidFill>
+                  <a:srgbClr val="C00000"/>
+                </a:solidFill>
+                <a:latin typeface="Pragmatica" panose="020B0403040502020204"/>
+                <a:sym typeface="Consolas"/>
+              </a:rPr>
+              <a:t>: All numeric variables, colored by species</a:t>
+            </a:r>
+          </a:p>
+          <a:p>
+            <a:pPr marL="714375" indent="-571500">
+              <a:lnSpc>
+                <a:spcPct val="115000"/>
+              </a:lnSpc>
+              <a:spcBef>
+                <a:spcPts val="1125"/>
+              </a:spcBef>
+              <a:buClr>
+                <a:srgbClr val="C00000"/>
+              </a:buClr>
+              <a:buSzPts val="2100"/>
+              <a:buFont typeface="Arial" panose="020B0604020202020204" pitchFamily="34" charset="0"/>
+              <a:buChar char="•"/>
+            </a:pPr>
+            <a:r>
+              <a:rPr lang="en-US" sz="3600" dirty="0">
+                <a:solidFill>
+                  <a:srgbClr val="C00000"/>
+                </a:solidFill>
+                <a:latin typeface="Pragmatica" panose="020B0403040502020204"/>
+                <a:sym typeface="Consolas"/>
+              </a:rPr>
+              <a:t>Tips:</a:t>
+            </a:r>
+          </a:p>
+          <a:p>
+            <a:pPr marL="1171575" lvl="1" indent="-571500">
+              <a:lnSpc>
+                <a:spcPct val="115000"/>
+              </a:lnSpc>
+              <a:spcBef>
+                <a:spcPts val="1125"/>
+              </a:spcBef>
+              <a:buClr>
+                <a:srgbClr val="C00000"/>
+              </a:buClr>
+              <a:buSzPts val="2100"/>
+              <a:buFont typeface="Arial" panose="020B0604020202020204" pitchFamily="34" charset="0"/>
+              <a:buChar char="•"/>
+            </a:pPr>
+            <a:r>
+              <a:rPr lang="en-US" sz="3600" dirty="0">
+                <a:solidFill>
+                  <a:srgbClr val="C00000"/>
+                </a:solidFill>
+                <a:latin typeface="Pragmatica" panose="020B0403040502020204"/>
+                <a:sym typeface="Consolas"/>
+              </a:rPr>
+              <a:t>Use detailed prompts </a:t>
+            </a:r>
+          </a:p>
+          <a:p>
+            <a:pPr marL="1171575" lvl="1" indent="-571500">
+              <a:lnSpc>
+                <a:spcPct val="115000"/>
+              </a:lnSpc>
+              <a:spcBef>
+                <a:spcPts val="1125"/>
+              </a:spcBef>
+              <a:buClr>
+                <a:srgbClr val="C00000"/>
+              </a:buClr>
+              <a:buSzPts val="2100"/>
+              <a:buFont typeface="Arial" panose="020B0604020202020204" pitchFamily="34" charset="0"/>
+              <a:buChar char="•"/>
+            </a:pPr>
+            <a:r>
+              <a:rPr lang="en-US" sz="3600" dirty="0">
+                <a:solidFill>
+                  <a:srgbClr val="C00000"/>
+                </a:solidFill>
+                <a:latin typeface="Pragmatica" panose="020B0403040502020204"/>
+                <a:sym typeface="Consolas"/>
+              </a:rPr>
+              <a:t>Adapt and iterate your visualizations</a:t>
+            </a:r>
+          </a:p>
+          <a:p>
+            <a:pPr marL="142875">
+              <a:lnSpc>
+                <a:spcPct val="115000"/>
+              </a:lnSpc>
+              <a:spcBef>
+                <a:spcPts val="1125"/>
+              </a:spcBef>
+              <a:buClr>
+                <a:srgbClr val="C00000"/>
+              </a:buClr>
+              <a:buSzPts val="2100"/>
+            </a:pPr>
+            <a:r>
+              <a:rPr lang="en-US" sz="3600" dirty="0">
+                <a:solidFill>
+                  <a:srgbClr val="C00000"/>
+                </a:solidFill>
+                <a:latin typeface="Pragmatica" panose="020B0403040502020204"/>
+                <a:sym typeface="Consolas"/>
+              </a:rPr>
+              <a:t>File: </a:t>
+            </a:r>
+            <a:r>
+              <a:rPr lang="en-US" sz="3600" dirty="0">
+                <a:solidFill>
+                  <a:srgbClr val="C00000"/>
+                </a:solidFill>
+                <a:latin typeface="Consolas" panose="020B0609020204030204" pitchFamily="49" charset="0"/>
+                <a:sym typeface="Consolas"/>
+              </a:rPr>
+              <a:t>copilot-challenge.xlsx</a:t>
+            </a:r>
+            <a:endParaRPr lang="en-US" sz="6000" dirty="0">
+              <a:solidFill>
+                <a:srgbClr val="CF3338"/>
+              </a:solidFill>
+              <a:latin typeface="Consolas" panose="020B0609020204030204" pitchFamily="49" charset="0"/>
+            </a:endParaRPr>
+          </a:p>
+          <a:p>
+            <a:endParaRPr lang="en-US" sz="6000" dirty="0">
+              <a:solidFill>
+                <a:srgbClr val="CF3338"/>
+              </a:solidFill>
+              <a:latin typeface="Pragmatica" panose="020B0403040502020204" pitchFamily="34" charset="0"/>
+            </a:endParaRPr>
+          </a:p>
+        </p:txBody>
+      </p:sp>
+    </p:spTree>
+    <p:extLst>
+      <p:ext uri="{BB962C8B-B14F-4D97-AF65-F5344CB8AC3E}">
+        <p14:creationId xmlns:p14="http://schemas.microsoft.com/office/powerpoint/2010/main" val="3218863528"/>
       </p:ext>
     </p:extLst>
   </p:cSld>
@@ -12350,415 +12576,6 @@
 </file>
 
 <file path=ppt/slides/slide30.xml><?xml version="1.0" encoding="utf-8"?>
-<p:sld xmlns:a="http://schemas.openxmlformats.org/drawingml/2006/main" xmlns:r="http://schemas.openxmlformats.org/officeDocument/2006/relationships" xmlns:p="http://schemas.openxmlformats.org/presentationml/2006/main">
-  <p:cSld>
-    <p:spTree>
-      <p:nvGrpSpPr>
-        <p:cNvPr id="1" name="">
-          <a:extLst>
-            <a:ext uri="{FF2B5EF4-FFF2-40B4-BE49-F238E27FC236}">
-              <a16:creationId xmlns:a16="http://schemas.microsoft.com/office/drawing/2014/main" id="{3DB2DD0D-8DE0-7639-8614-180F52047573}"/>
-            </a:ext>
-          </a:extLst>
-        </p:cNvPr>
-        <p:cNvGrpSpPr/>
-        <p:nvPr/>
-      </p:nvGrpSpPr>
-      <p:grpSpPr>
-        <a:xfrm>
-          <a:off x="0" y="0"/>
-          <a:ext cx="0" cy="0"/>
-          <a:chOff x="0" y="0"/>
-          <a:chExt cx="0" cy="0"/>
-        </a:xfrm>
-      </p:grpSpPr>
-      <p:sp>
-        <p:nvSpPr>
-          <p:cNvPr id="4" name="Rectangle 3">
-            <a:extLst>
-              <a:ext uri="{FF2B5EF4-FFF2-40B4-BE49-F238E27FC236}">
-                <a16:creationId xmlns:a16="http://schemas.microsoft.com/office/drawing/2014/main" id="{848B2D07-8F5C-1A76-8B62-879D77101BD1}"/>
-              </a:ext>
-            </a:extLst>
-          </p:cNvPr>
-          <p:cNvSpPr/>
-          <p:nvPr/>
-        </p:nvSpPr>
-        <p:spPr>
-          <a:xfrm>
-            <a:off x="13792200" y="0"/>
-            <a:ext cx="4495800" cy="10287000"/>
-          </a:xfrm>
-          <a:prstGeom prst="rect">
-            <a:avLst/>
-          </a:prstGeom>
-          <a:solidFill>
-            <a:srgbClr val="CF3338"/>
-          </a:solidFill>
-          <a:ln>
-            <a:noFill/>
-          </a:ln>
-        </p:spPr>
-        <p:style>
-          <a:lnRef idx="2">
-            <a:schemeClr val="accent1">
-              <a:shade val="50000"/>
-            </a:schemeClr>
-          </a:lnRef>
-          <a:fillRef idx="1">
-            <a:schemeClr val="accent1"/>
-          </a:fillRef>
-          <a:effectRef idx="0">
-            <a:schemeClr val="accent1"/>
-          </a:effectRef>
-          <a:fontRef idx="minor">
-            <a:schemeClr val="lt1"/>
-          </a:fontRef>
-        </p:style>
-        <p:txBody>
-          <a:bodyPr rtlCol="0" anchor="ctr"/>
-          <a:lstStyle/>
-          <a:p>
-            <a:pPr algn="ctr"/>
-            <a:endParaRPr lang="en-US" sz="2700"/>
-          </a:p>
-        </p:txBody>
-      </p:sp>
-      <p:pic>
-        <p:nvPicPr>
-          <p:cNvPr id="2" name="Picture 1">
-            <a:extLst>
-              <a:ext uri="{FF2B5EF4-FFF2-40B4-BE49-F238E27FC236}">
-                <a16:creationId xmlns:a16="http://schemas.microsoft.com/office/drawing/2014/main" id="{113E929A-4F85-BA2E-1670-83412C8E33EB}"/>
-              </a:ext>
-            </a:extLst>
-          </p:cNvPr>
-          <p:cNvPicPr>
-            <a:picLocks noChangeAspect="1"/>
-          </p:cNvPicPr>
-          <p:nvPr/>
-        </p:nvPicPr>
-        <p:blipFill rotWithShape="1">
-          <a:blip r:embed="rId3">
-            <a:extLst>
-              <a:ext uri="{28A0092B-C50C-407E-A947-70E740481C1C}">
-                <a14:useLocalDpi xmlns:a14="http://schemas.microsoft.com/office/drawing/2010/main" val="0"/>
-              </a:ext>
-            </a:extLst>
-          </a:blip>
-          <a:srcRect l="69227" t="33418" r="20112" b="50548"/>
-          <a:stretch/>
-        </p:blipFill>
-        <p:spPr>
-          <a:xfrm>
-            <a:off x="15579524" y="7544693"/>
-            <a:ext cx="2708477" cy="2987579"/>
-          </a:xfrm>
-          <a:prstGeom prst="rect">
-            <a:avLst/>
-          </a:prstGeom>
-        </p:spPr>
-      </p:pic>
-      <p:sp>
-        <p:nvSpPr>
-          <p:cNvPr id="3" name="TextBox 2">
-            <a:extLst>
-              <a:ext uri="{FF2B5EF4-FFF2-40B4-BE49-F238E27FC236}">
-                <a16:creationId xmlns:a16="http://schemas.microsoft.com/office/drawing/2014/main" id="{70649C51-8154-5BF1-C630-D747B0445059}"/>
-              </a:ext>
-            </a:extLst>
-          </p:cNvPr>
-          <p:cNvSpPr txBox="1"/>
-          <p:nvPr/>
-        </p:nvSpPr>
-        <p:spPr>
-          <a:xfrm>
-            <a:off x="260430" y="329879"/>
-            <a:ext cx="13531769" cy="10361811"/>
-          </a:xfrm>
-          <a:prstGeom prst="rect">
-            <a:avLst/>
-          </a:prstGeom>
-          <a:noFill/>
-        </p:spPr>
-        <p:txBody>
-          <a:bodyPr wrap="square" rtlCol="0">
-            <a:spAutoFit/>
-          </a:bodyPr>
-          <a:lstStyle/>
-          <a:p>
-            <a:r>
-              <a:rPr lang="en-US" sz="6000" b="1" dirty="0">
-                <a:solidFill>
-                  <a:srgbClr val="CF3338"/>
-                </a:solidFill>
-                <a:latin typeface="Pragmatica" panose="020B0403040502020204" pitchFamily="34" charset="0"/>
-              </a:rPr>
-              <a:t>Python data viz through Copilot CHALLENGE</a:t>
-            </a:r>
-            <a:endParaRPr lang="en-US" sz="4200" dirty="0">
-              <a:solidFill>
-                <a:srgbClr val="CF3338"/>
-              </a:solidFill>
-              <a:latin typeface="Pragmatica" panose="020B0403040502020204" pitchFamily="34" charset="0"/>
-            </a:endParaRPr>
-          </a:p>
-          <a:p>
-            <a:pPr marL="714375" indent="-571500">
-              <a:lnSpc>
-                <a:spcPct val="115000"/>
-              </a:lnSpc>
-              <a:spcBef>
-                <a:spcPts val="1125"/>
-              </a:spcBef>
-              <a:buClr>
-                <a:srgbClr val="C00000"/>
-              </a:buClr>
-              <a:buSzPts val="2100"/>
-              <a:buFont typeface="Arial" panose="020B0604020202020204" pitchFamily="34" charset="0"/>
-              <a:buChar char="•"/>
-            </a:pPr>
-            <a:r>
-              <a:rPr lang="en-US" sz="3600" dirty="0">
-                <a:solidFill>
-                  <a:srgbClr val="C00000"/>
-                </a:solidFill>
-                <a:latin typeface="Pragmatica" panose="020B0403040502020204"/>
-                <a:sym typeface="Consolas"/>
-              </a:rPr>
-              <a:t>KDE Plot: Flipper lengths by species</a:t>
-            </a:r>
-          </a:p>
-          <a:p>
-            <a:pPr marL="714375" indent="-571500">
-              <a:lnSpc>
-                <a:spcPct val="115000"/>
-              </a:lnSpc>
-              <a:spcBef>
-                <a:spcPts val="1125"/>
-              </a:spcBef>
-              <a:buClr>
-                <a:srgbClr val="C00000"/>
-              </a:buClr>
-              <a:buSzPts val="2100"/>
-              <a:buFont typeface="Arial" panose="020B0604020202020204" pitchFamily="34" charset="0"/>
-              <a:buChar char="•"/>
-            </a:pPr>
-            <a:r>
-              <a:rPr lang="en-US" sz="3600" dirty="0">
-                <a:solidFill>
-                  <a:srgbClr val="C00000"/>
-                </a:solidFill>
-                <a:latin typeface="Pragmatica" panose="020B0403040502020204"/>
-                <a:sym typeface="Consolas"/>
-              </a:rPr>
-              <a:t>Scatterplot with Regression: Body mass vs. flipper length, grouped by species</a:t>
-            </a:r>
-          </a:p>
-          <a:p>
-            <a:pPr marL="714375" indent="-571500">
-              <a:lnSpc>
-                <a:spcPct val="115000"/>
-              </a:lnSpc>
-              <a:spcBef>
-                <a:spcPts val="1125"/>
-              </a:spcBef>
-              <a:buClr>
-                <a:srgbClr val="C00000"/>
-              </a:buClr>
-              <a:buSzPts val="2100"/>
-              <a:buFont typeface="Arial" panose="020B0604020202020204" pitchFamily="34" charset="0"/>
-              <a:buChar char="•"/>
-            </a:pPr>
-            <a:r>
-              <a:rPr lang="en-US" sz="3600" dirty="0">
-                <a:solidFill>
-                  <a:srgbClr val="C00000"/>
-                </a:solidFill>
-                <a:latin typeface="Pragmatica" panose="020B0403040502020204"/>
-                <a:sym typeface="Consolas"/>
-              </a:rPr>
-              <a:t>Small Multiples: Organized by island, scatterplots with regression lines by species</a:t>
-            </a:r>
-          </a:p>
-          <a:p>
-            <a:pPr marL="714375" indent="-571500">
-              <a:lnSpc>
-                <a:spcPct val="115000"/>
-              </a:lnSpc>
-              <a:spcBef>
-                <a:spcPts val="1125"/>
-              </a:spcBef>
-              <a:buClr>
-                <a:srgbClr val="C00000"/>
-              </a:buClr>
-              <a:buSzPts val="2100"/>
-              <a:buFont typeface="Arial" panose="020B0604020202020204" pitchFamily="34" charset="0"/>
-              <a:buChar char="•"/>
-            </a:pPr>
-            <a:r>
-              <a:rPr lang="en-US" sz="3600" dirty="0" err="1">
-                <a:solidFill>
-                  <a:srgbClr val="C00000"/>
-                </a:solidFill>
-                <a:latin typeface="Pragmatica" panose="020B0403040502020204"/>
-                <a:sym typeface="Consolas"/>
-              </a:rPr>
-              <a:t>Pairplot</a:t>
-            </a:r>
-            <a:r>
-              <a:rPr lang="en-US" sz="3600" dirty="0">
-                <a:solidFill>
-                  <a:srgbClr val="C00000"/>
-                </a:solidFill>
-                <a:latin typeface="Pragmatica" panose="020B0403040502020204"/>
-                <a:sym typeface="Consolas"/>
-              </a:rPr>
-              <a:t>: All numeric variables, colored by species</a:t>
-            </a:r>
-          </a:p>
-          <a:p>
-            <a:pPr marL="714375" indent="-571500">
-              <a:lnSpc>
-                <a:spcPct val="115000"/>
-              </a:lnSpc>
-              <a:spcBef>
-                <a:spcPts val="1125"/>
-              </a:spcBef>
-              <a:buClr>
-                <a:srgbClr val="C00000"/>
-              </a:buClr>
-              <a:buSzPts val="2100"/>
-              <a:buFont typeface="Arial" panose="020B0604020202020204" pitchFamily="34" charset="0"/>
-              <a:buChar char="•"/>
-            </a:pPr>
-            <a:r>
-              <a:rPr lang="en-US" sz="3600" dirty="0">
-                <a:solidFill>
-                  <a:srgbClr val="C00000"/>
-                </a:solidFill>
-                <a:latin typeface="Pragmatica" panose="020B0403040502020204"/>
-                <a:sym typeface="Consolas"/>
-              </a:rPr>
-              <a:t>Tips:</a:t>
-            </a:r>
-          </a:p>
-          <a:p>
-            <a:pPr marL="1171575" lvl="1" indent="-571500">
-              <a:lnSpc>
-                <a:spcPct val="115000"/>
-              </a:lnSpc>
-              <a:spcBef>
-                <a:spcPts val="1125"/>
-              </a:spcBef>
-              <a:buClr>
-                <a:srgbClr val="C00000"/>
-              </a:buClr>
-              <a:buSzPts val="2100"/>
-              <a:buFont typeface="Arial" panose="020B0604020202020204" pitchFamily="34" charset="0"/>
-              <a:buChar char="•"/>
-            </a:pPr>
-            <a:r>
-              <a:rPr lang="en-US" sz="3600" dirty="0">
-                <a:solidFill>
-                  <a:srgbClr val="C00000"/>
-                </a:solidFill>
-                <a:latin typeface="Pragmatica" panose="020B0403040502020204"/>
-                <a:sym typeface="Consolas"/>
-              </a:rPr>
-              <a:t>Use detailed prompts </a:t>
-            </a:r>
-          </a:p>
-          <a:p>
-            <a:pPr marL="1171575" lvl="1" indent="-571500">
-              <a:lnSpc>
-                <a:spcPct val="115000"/>
-              </a:lnSpc>
-              <a:spcBef>
-                <a:spcPts val="1125"/>
-              </a:spcBef>
-              <a:buClr>
-                <a:srgbClr val="C00000"/>
-              </a:buClr>
-              <a:buSzPts val="2100"/>
-              <a:buFont typeface="Arial" panose="020B0604020202020204" pitchFamily="34" charset="0"/>
-              <a:buChar char="•"/>
-            </a:pPr>
-            <a:r>
-              <a:rPr lang="en-US" sz="3600" dirty="0">
-                <a:solidFill>
-                  <a:srgbClr val="C00000"/>
-                </a:solidFill>
-                <a:latin typeface="Pragmatica" panose="020B0403040502020204"/>
-                <a:sym typeface="Consolas"/>
-              </a:rPr>
-              <a:t>Adapt and iterate your visualizations</a:t>
-            </a:r>
-          </a:p>
-          <a:p>
-            <a:pPr marL="142875">
-              <a:lnSpc>
-                <a:spcPct val="115000"/>
-              </a:lnSpc>
-              <a:spcBef>
-                <a:spcPts val="1125"/>
-              </a:spcBef>
-              <a:buClr>
-                <a:srgbClr val="C00000"/>
-              </a:buClr>
-              <a:buSzPts val="2100"/>
-            </a:pPr>
-            <a:r>
-              <a:rPr lang="en-US" sz="3600" dirty="0">
-                <a:solidFill>
-                  <a:srgbClr val="C00000"/>
-                </a:solidFill>
-                <a:latin typeface="Pragmatica" panose="020B0403040502020204"/>
-                <a:sym typeface="Consolas"/>
-              </a:rPr>
-              <a:t>File: </a:t>
-            </a:r>
-            <a:r>
-              <a:rPr lang="en-US" sz="3600" dirty="0">
-                <a:solidFill>
-                  <a:srgbClr val="C00000"/>
-                </a:solidFill>
-                <a:latin typeface="Consolas" panose="020B0609020204030204" pitchFamily="49" charset="0"/>
-                <a:sym typeface="Consolas"/>
-              </a:rPr>
-              <a:t>copilot-challenge.xlsx</a:t>
-            </a:r>
-            <a:endParaRPr lang="en-US" sz="6000" dirty="0">
-              <a:solidFill>
-                <a:srgbClr val="CF3338"/>
-              </a:solidFill>
-              <a:latin typeface="Consolas" panose="020B0609020204030204" pitchFamily="49" charset="0"/>
-            </a:endParaRPr>
-          </a:p>
-          <a:p>
-            <a:endParaRPr lang="en-US" sz="6000" dirty="0">
-              <a:solidFill>
-                <a:srgbClr val="CF3338"/>
-              </a:solidFill>
-              <a:latin typeface="Pragmatica" panose="020B0403040502020204" pitchFamily="34" charset="0"/>
-            </a:endParaRPr>
-          </a:p>
-        </p:txBody>
-      </p:sp>
-    </p:spTree>
-    <p:extLst>
-      <p:ext uri="{BB962C8B-B14F-4D97-AF65-F5344CB8AC3E}">
-        <p14:creationId xmlns:p14="http://schemas.microsoft.com/office/powerpoint/2010/main" val="3218863528"/>
-      </p:ext>
-    </p:extLst>
-  </p:cSld>
-  <p:clrMapOvr>
-    <a:masterClrMapping/>
-  </p:clrMapOvr>
-</p:sld>
-</file>
-
-<file path=ppt/slides/slide31.xml><?xml version="1.0" encoding="utf-8"?>
 <p:sld xmlns:a="http://schemas.openxmlformats.org/drawingml/2006/main" xmlns:r="http://schemas.openxmlformats.org/officeDocument/2006/relationships" xmlns:p="http://schemas.openxmlformats.org/presentationml/2006/main">
   <p:cSld>
     <p:spTree>
@@ -12940,7 +12757,7 @@
 </p:sld>
 </file>
 
-<file path=ppt/slides/slide32.xml><?xml version="1.0" encoding="utf-8"?>
+<file path=ppt/slides/slide31.xml><?xml version="1.0" encoding="utf-8"?>
 <p:sld xmlns:a="http://schemas.openxmlformats.org/drawingml/2006/main" xmlns:r="http://schemas.openxmlformats.org/officeDocument/2006/relationships" xmlns:p="http://schemas.openxmlformats.org/presentationml/2006/main">
   <p:cSld>
     <p:spTree>
